--- a/assets/documents/Las Vegas Trip Organizer Presentation.pptx
+++ b/assets/documents/Las Vegas Trip Organizer Presentation.pptx
@@ -996,7 +996,7 @@
               </a:spcAft>
               <a:buNone/>
             </a:pPr>
-            <a:endParaRPr/>
+            <a:endParaRPr dirty="0"/>
           </a:p>
         </p:txBody>
       </p:sp>
@@ -6360,7 +6360,7 @@
             </a:br>
             <a:r>
               <a:rPr lang="en" dirty="0"/>
-              <a:t>We’re created a web page to help any user to find flight, hotels, restaurants, spor activities, concerts etc when they started to plan a trip to Las Vegas. </a:t>
+              <a:t>We have created a web page to help any user to find flight, hotels, restaurants, sports activities, concerts etc when user starts to plan a trip to Las Vegas. </a:t>
             </a:r>
             <a:endParaRPr dirty="0"/>
           </a:p>
@@ -6499,8 +6499,20 @@
             </a:pPr>
             <a:r>
               <a:rPr lang="en" sz="1100" dirty="0"/>
-              <a:t>	We would like to create a organizer so users can book, buy, rent what they wanted before go to Las Vegas</a:t>
+              <a:t>	We would like to create a organizer so users can book, buy, rent what they want before going to Las Vegas.</a:t>
             </a:r>
+          </a:p>
+          <a:p>
+            <a:pPr marL="114300" lvl="0" indent="0" algn="l" rtl="0">
+              <a:spcBef>
+                <a:spcPts val="0"/>
+              </a:spcBef>
+              <a:spcAft>
+                <a:spcPts val="0"/>
+              </a:spcAft>
+              <a:buSzPts val="1800"/>
+              <a:buNone/>
+            </a:pPr>
             <a:endParaRPr sz="1100" dirty="0"/>
           </a:p>
           <a:p>
@@ -6534,7 +6546,11 @@
               <a:rPr lang="en" dirty="0"/>
               <a:t>	</a:t>
             </a:r>
-            <a:endParaRPr dirty="0"/>
+            <a:r>
+              <a:rPr lang="en" sz="1100" dirty="0"/>
+              <a:t>Showcase are ability to collaborate and developt a webside employing API’s.</a:t>
+            </a:r>
+            <a:endParaRPr sz="1100" dirty="0"/>
           </a:p>
           <a:p>
             <a:pPr marL="457200" lvl="0" indent="-342900" algn="l" rtl="0">
@@ -6569,7 +6585,27 @@
             </a:r>
             <a:r>
               <a:rPr lang="en" sz="1100" dirty="0"/>
-              <a:t>When user go to main page there are 4 options; Basic, Premium, Customize and Buy a Ticket. If the user click to Buy a Ticket button user redirected to ticketmasterpage. In this page user can searh some shows, activities.</a:t>
+              <a:t>When user goes to the main page there are 4 options; Basic, Premium, Customize </a:t>
+            </a:r>
+            <a:r>
+              <a:rPr lang="en-US" sz="1100" dirty="0"/>
+              <a:t>or straight to the Events API</a:t>
+            </a:r>
+            <a:r>
+              <a:rPr lang="en" sz="1100" dirty="0"/>
+              <a:t>. </a:t>
+            </a:r>
+            <a:r>
+              <a:rPr lang="en-US" sz="1100"/>
+              <a:t>The Events API leads them to the Ticketmaster web-site.</a:t>
+            </a:r>
+            <a:r>
+              <a:rPr lang="en" sz="1100"/>
+              <a:t> </a:t>
+            </a:r>
+            <a:r>
+              <a:rPr lang="en" sz="1100" dirty="0"/>
+              <a:t>In this page user can searh some shows, activities.</a:t>
             </a:r>
           </a:p>
           <a:p>

--- a/assets/documents/Las Vegas Trip Organizer Presentation.pptx
+++ b/assets/documents/Las Vegas Trip Organizer Presentation.pptx
@@ -6360,7 +6360,7 @@
             </a:br>
             <a:r>
               <a:rPr lang="en" dirty="0"/>
-              <a:t>We have created a web page to help any user to find flight, hotels, restaurants, sports activities, concerts etc when user starts to plan a trip to Las Vegas. </a:t>
+              <a:t>We have created a web page to help any user to find flight, hotels, restaurants, sports activities, concerts, etc. when user starts to plan a trip to Las Vegas. </a:t>
             </a:r>
             <a:endParaRPr dirty="0"/>
           </a:p>
@@ -6548,7 +6548,7 @@
             </a:r>
             <a:r>
               <a:rPr lang="en" sz="1100" dirty="0"/>
-              <a:t>Showcase are ability to collaborate and developt a webside employing API’s.</a:t>
+              <a:t>Showcase our ability to collaborate and develop a web-site employing API technology!</a:t>
             </a:r>
             <a:endParaRPr sz="1100" dirty="0"/>
           </a:p>
@@ -6585,7 +6585,7 @@
             </a:r>
             <a:r>
               <a:rPr lang="en" sz="1100" dirty="0"/>
-              <a:t>When user goes to the main page there are 4 options; Basic, Premium, Customize </a:t>
+              <a:t>When the user goes to the Main Page there are 4 options; Basic, Premium, Customize </a:t>
             </a:r>
             <a:r>
               <a:rPr lang="en-US" sz="1100" dirty="0"/>
@@ -6596,16 +6596,12 @@
               <a:t>. </a:t>
             </a:r>
             <a:r>
-              <a:rPr lang="en-US" sz="1100"/>
-              <a:t>The Events API leads them to the Ticketmaster web-site.</a:t>
-            </a:r>
-            <a:r>
-              <a:rPr lang="en" sz="1100"/>
-              <a:t> </a:t>
+              <a:rPr lang="en-US" sz="1100" dirty="0"/>
+              <a:t>The Events API leads them to the Ticketmaster web-site, where the user</a:t>
             </a:r>
             <a:r>
               <a:rPr lang="en" sz="1100" dirty="0"/>
-              <a:t>In this page user can searh some shows, activities.</a:t>
+              <a:t> can search for some shows and activities.</a:t>
             </a:r>
           </a:p>
           <a:p>
@@ -6621,7 +6617,7 @@
             </a:pPr>
             <a:r>
               <a:rPr lang="en" sz="1100" dirty="0"/>
-              <a:t>	If the user want to organize a Las Vegas trip, the user needs to go basic, premium or customize pages. In the basic user can find hotels, restaurants, flights etc. The premium page works same way but the user can find more luxery / premium hotels, flights, restaurants etc. Finally in customize page the user can display and buy/order/book both basic and premium options. </a:t>
+              <a:t>	When the user wants to organize the Las Vegas trip, the user needs to go Basic, Premium or Customize pages. In the Basic Page, the  user finds hotels, restaurants, flights etc. The Premium Page works the same way, but the user can find more luxury options. Finally in the Customize Page, the user can display, and select both Basic and Premium options. </a:t>
             </a:r>
           </a:p>
         </p:txBody>
@@ -6706,7 +6702,7 @@
         <p:spPr>
           <a:xfrm>
             <a:off x="311700" y="728165"/>
-            <a:ext cx="8520600" cy="3551150"/>
+            <a:ext cx="8520600" cy="4259870"/>
           </a:xfrm>
           <a:prstGeom prst="rect">
             <a:avLst/>
@@ -6750,7 +6746,15 @@
             </a:r>
             <a:r>
               <a:rPr lang="en" sz="1100" dirty="0"/>
-              <a:t>Bootstrap, Framework, Google Fonts, Server Side API, Event Listener</a:t>
+              <a:t>Bootstrap, Framework, Google Fonts, Server Side API with JSON, J</a:t>
+            </a:r>
+            <a:r>
+              <a:rPr lang="en-GB" sz="1100" dirty="0"/>
+              <a:t>Q</a:t>
+            </a:r>
+            <a:r>
+              <a:rPr lang="en" sz="1100" dirty="0"/>
+              <a:t>uery, Local Storage, Media Queries, and Event Listeners.</a:t>
             </a:r>
             <a:endParaRPr sz="1100" dirty="0"/>
           </a:p>
@@ -6880,7 +6884,7 @@
             </a:pPr>
             <a:r>
               <a:rPr lang="en" sz="1100" dirty="0"/>
-              <a:t>	To work a real team</a:t>
+              <a:t>	To work as a  real team with Github Collaboration.</a:t>
             </a:r>
           </a:p>
           <a:p>
@@ -6896,7 +6900,7 @@
             </a:pPr>
             <a:r>
               <a:rPr lang="en" sz="1100" dirty="0"/>
-              <a:t>	Github Collaboration</a:t>
+              <a:t>	To create a working page, created by different team members, finding API’s.</a:t>
             </a:r>
           </a:p>
           <a:p>
@@ -6912,23 +6916,7 @@
             </a:pPr>
             <a:r>
               <a:rPr lang="en" sz="1100" dirty="0"/>
-              <a:t>	To create a working page created by different team members</a:t>
-            </a:r>
-          </a:p>
-          <a:p>
-            <a:pPr marL="114300" lvl="0" indent="0" algn="l" rtl="0">
-              <a:spcBef>
-                <a:spcPts val="0"/>
-              </a:spcBef>
-              <a:spcAft>
-                <a:spcPts val="0"/>
-              </a:spcAft>
-              <a:buSzPts val="1800"/>
-              <a:buNone/>
-            </a:pPr>
-            <a:r>
-              <a:rPr lang="en" sz="1100" dirty="0"/>
-              <a:t>	Finding API’s</a:t>
+              <a:t>	Most importantly: Working with other humans!</a:t>
             </a:r>
             <a:endParaRPr sz="1100" dirty="0"/>
           </a:p>
@@ -6965,7 +6953,7 @@
             </a:r>
             <a:r>
               <a:rPr lang="en-US" sz="1100" dirty="0"/>
-              <a:t>To work a real team</a:t>
+              <a:t>Learned how to work together without conflicts in GitHub.</a:t>
             </a:r>
           </a:p>
           <a:p>
@@ -6981,15 +6969,7 @@
             </a:pPr>
             <a:r>
               <a:rPr lang="en-US" sz="1100" dirty="0"/>
-              <a:t>	</a:t>
-            </a:r>
-            <a:r>
-              <a:rPr lang="en-US" sz="1100" dirty="0" err="1"/>
-              <a:t>Github</a:t>
-            </a:r>
-            <a:r>
-              <a:rPr lang="en-US" sz="1100" dirty="0"/>
-              <a:t> Collaboration</a:t>
+              <a:t>	We adapted our personal expectations for the greater good of the team.</a:t>
             </a:r>
           </a:p>
           <a:p>
@@ -7005,7 +6985,7 @@
             </a:pPr>
             <a:r>
               <a:rPr lang="en-US" sz="1100" dirty="0"/>
-              <a:t>	To create a working page created by different team members</a:t>
+              <a:t>	We evaluated our project midway and reconciled our various directions.</a:t>
             </a:r>
           </a:p>
           <a:p>
@@ -7021,18 +7001,9 @@
             </a:pPr>
             <a:r>
               <a:rPr lang="en-US" sz="1100" dirty="0"/>
-              <a:t>	Finding Api’s</a:t>
+              <a:t>	We started out as incorrigible mavericks but ended as a team!</a:t>
             </a:r>
-          </a:p>
-          <a:p>
-            <a:pPr lvl="1" indent="-342900">
-              <a:spcBef>
-                <a:spcPts val="0"/>
-              </a:spcBef>
-              <a:buSzPts val="1800"/>
-              <a:buChar char="●"/>
-            </a:pPr>
-            <a:endParaRPr dirty="0"/>
+            <a:endParaRPr sz="1100" dirty="0"/>
           </a:p>
         </p:txBody>
       </p:sp>
@@ -7183,7 +7154,7 @@
         <p:spPr>
           <a:xfrm>
             <a:off x="311700" y="1152475"/>
-            <a:ext cx="8520600" cy="3416400"/>
+            <a:ext cx="8520600" cy="3761496"/>
           </a:xfrm>
           <a:prstGeom prst="rect">
             <a:avLst/>
@@ -7202,7 +7173,7 @@
             </a:pPr>
             <a:r>
               <a:rPr lang="en-US" dirty="0"/>
-              <a:t>Fixing and review page appearance of web page</a:t>
+              <a:t>Constantly review and update appearance of web page.</a:t>
             </a:r>
           </a:p>
           <a:p>
@@ -7213,15 +7184,7 @@
             </a:pPr>
             <a:r>
               <a:rPr lang="en-US" dirty="0"/>
-              <a:t>Review and modifying codes to make them more efficient and et more </a:t>
-            </a:r>
-            <a:r>
-              <a:rPr lang="en-US" dirty="0" err="1"/>
-              <a:t>stabil</a:t>
-            </a:r>
-            <a:r>
-              <a:rPr lang="en-US" dirty="0"/>
-              <a:t> webpage</a:t>
+              <a:t>Review and modifying codes to make them more efficient and a more stabile webpage.</a:t>
             </a:r>
           </a:p>
           <a:p>
@@ -7232,9 +7195,30 @@
             </a:pPr>
             <a:r>
               <a:rPr lang="en-US" dirty="0"/>
-              <a:t>Upgrading web page design and its content to become a web page of a sales focused/oriented company</a:t>
+              <a:t>Upgrading web page, design, and its content to become a web page of a sales focused/oriented company.</a:t>
             </a:r>
-            <a:endParaRPr dirty="0"/>
+          </a:p>
+          <a:p>
+            <a:pPr marL="342900">
+              <a:spcAft>
+                <a:spcPts val="1600"/>
+              </a:spcAft>
+            </a:pPr>
+            <a:r>
+              <a:rPr lang="en-US" dirty="0"/>
+              <a:t>Expand APIs that we use.</a:t>
+            </a:r>
+          </a:p>
+          <a:p>
+            <a:pPr marL="342900">
+              <a:spcAft>
+                <a:spcPts val="1600"/>
+              </a:spcAft>
+            </a:pPr>
+            <a:r>
+              <a:rPr lang="en-US" dirty="0"/>
+              <a:t>Make decisions based on user feedback!</a:t>
+            </a:r>
           </a:p>
         </p:txBody>
       </p:sp>

--- a/assets/documents/Las Vegas Trip Organizer Presentation.pptx
+++ b/assets/documents/Las Vegas Trip Organizer Presentation.pptx
@@ -1141,7 +1141,7 @@
         </p:nvSpPr>
         <p:spPr>
           <a:xfrm>
-            <a:off x="381300" y="685800"/>
+            <a:off x="381000" y="685800"/>
             <a:ext cx="6096000" cy="3429000"/>
           </a:xfrm>
           <a:custGeom>
@@ -6215,73 +6215,11 @@
           </a:bodyPr>
           <a:lstStyle/>
           <a:p>
-            <a:pPr marL="0" lvl="0" indent="0" algn="ctr" rtl="0">
-              <a:spcBef>
-                <a:spcPts val="0"/>
-              </a:spcBef>
-              <a:spcAft>
-                <a:spcPts val="0"/>
-              </a:spcAft>
-              <a:buNone/>
-            </a:pPr>
             <a:r>
-              <a:rPr lang="en-CA" dirty="0">
-                <a:solidFill>
-                  <a:srgbClr val="FFFFFF"/>
-                </a:solidFill>
-                <a:highlight>
-                  <a:srgbClr val="FF0000"/>
-                </a:highlight>
-              </a:rPr>
-              <a:t>Las Vegas Trip Organizer</a:t>
+              <a:rPr lang="en-CA" b="1" dirty="0"/>
+              <a:t>Las Vegas Explorer App</a:t>
             </a:r>
-            <a:endParaRPr lang="en-CA" dirty="0">
-              <a:highlight>
-                <a:srgbClr val="FFFF00"/>
-              </a:highlight>
-            </a:endParaRPr>
-          </a:p>
-        </p:txBody>
-      </p:sp>
-      <p:sp>
-        <p:nvSpPr>
-          <p:cNvPr id="55" name="Google Shape;55;p13"/>
-          <p:cNvSpPr txBox="1">
-            <a:spLocks noGrp="1"/>
-          </p:cNvSpPr>
-          <p:nvPr>
-            <p:ph type="subTitle" idx="1"/>
-          </p:nvPr>
-        </p:nvSpPr>
-        <p:spPr>
-          <a:xfrm>
-            <a:off x="311700" y="2834125"/>
-            <a:ext cx="8520600" cy="792600"/>
-          </a:xfrm>
-          <a:prstGeom prst="rect">
-            <a:avLst/>
-          </a:prstGeom>
-        </p:spPr>
-        <p:txBody>
-          <a:bodyPr spcFirstLastPara="1" wrap="square" lIns="91425" tIns="91425" rIns="91425" bIns="91425" anchor="t" anchorCtr="0">
-            <a:noAutofit/>
-          </a:bodyPr>
-          <a:lstStyle/>
-          <a:p>
-            <a:pPr marL="0" lvl="0" indent="0" algn="ctr" rtl="0">
-              <a:spcBef>
-                <a:spcPts val="0"/>
-              </a:spcBef>
-              <a:spcAft>
-                <a:spcPts val="0"/>
-              </a:spcAft>
-              <a:buNone/>
-            </a:pPr>
-            <a:endParaRPr dirty="0">
-              <a:highlight>
-                <a:srgbClr val="FFFF00"/>
-              </a:highlight>
-            </a:endParaRPr>
+            <a:endParaRPr lang="en-CA" dirty="0"/>
           </a:p>
         </p:txBody>
       </p:sp>
@@ -6346,6 +6284,16 @@
               </a:rPr>
               <a:t>Elevator pitch</a:t>
             </a:r>
+            <a:r>
+              <a:rPr lang="en-CA" b="0" i="0" dirty="0">
+                <a:solidFill>
+                  <a:srgbClr val="1D1C1D"/>
+                </a:solidFill>
+                <a:effectLst/>
+                <a:latin typeface="Slack-Lato"/>
+              </a:rPr>
+              <a:t/>
+            </a:r>
             <a:br>
               <a:rPr lang="en-CA" b="0" i="0" dirty="0">
                 <a:solidFill>
@@ -6355,12 +6303,24 @@
                 <a:latin typeface="Slack-Lato"/>
               </a:rPr>
             </a:br>
+            <a:r>
+              <a:rPr lang="en" dirty="0"/>
+              <a:t/>
+            </a:r>
             <a:br>
               <a:rPr lang="en" dirty="0"/>
             </a:br>
             <a:r>
               <a:rPr lang="en" dirty="0"/>
-              <a:t>We have created a web page to help any user to find flight, hotels, restaurants, sports activities, concerts, etc. when user starts to plan a trip to Las Vegas. </a:t>
+              <a:t>We have created a web page to help </a:t>
+            </a:r>
+            <a:r>
+              <a:rPr lang="en" dirty="0" smtClean="0"/>
+              <a:t>the user </a:t>
+            </a:r>
+            <a:r>
+              <a:rPr lang="en" dirty="0"/>
+              <a:t>to find flight, hotels, restaurants, sports activities, concerts, etc. when user starts to plan a trip to Las Vegas. </a:t>
             </a:r>
             <a:endParaRPr dirty="0"/>
           </a:p>
@@ -7044,7 +7004,7 @@
         </p:nvSpPr>
         <p:spPr>
           <a:xfrm>
-            <a:off x="311700" y="2150850"/>
+            <a:off x="251244" y="-78472"/>
             <a:ext cx="8520600" cy="841800"/>
           </a:xfrm>
           <a:prstGeom prst="rect">
@@ -7074,6 +7034,36 @@
           </a:p>
         </p:txBody>
       </p:sp>
+      <p:pic>
+        <p:nvPicPr>
+          <p:cNvPr id="2" name="Picture 1"/>
+          <p:cNvPicPr>
+            <a:picLocks noChangeAspect="1"/>
+          </p:cNvPicPr>
+          <p:nvPr/>
+        </p:nvPicPr>
+        <p:blipFill>
+          <a:blip r:embed="rId3">
+            <a:extLst>
+              <a:ext uri="{28A0092B-C50C-407E-A947-70E740481C1C}">
+                <a14:useLocalDpi xmlns:a14="http://schemas.microsoft.com/office/drawing/2010/main" val="0"/>
+              </a:ext>
+            </a:extLst>
+          </a:blip>
+          <a:stretch>
+            <a:fillRect/>
+          </a:stretch>
+        </p:blipFill>
+        <p:spPr>
+          <a:xfrm>
+            <a:off x="0" y="707398"/>
+            <a:ext cx="9144000" cy="4436102"/>
+          </a:xfrm>
+          <a:prstGeom prst="rect">
+            <a:avLst/>
+          </a:prstGeom>
+        </p:spPr>
+      </p:pic>
     </p:spTree>
   </p:cSld>
   <p:clrMapOvr>
